--- a/Bao_cao_nien_luan.pptx
+++ b/Bao_cao_nien_luan.pptx
@@ -251,7 +251,7 @@
           <a:p>
             <a:fld id="{2FC4E0EE-F4FF-4905-96BB-8A6F9C306AB2}" type="datetimeFigureOut">
               <a:rPr lang="en-US" smtClean="0"/>
-              <a:t>5/30/2021</a:t>
+              <a:t>6/1/2021</a:t>
             </a:fld>
             <a:endParaRPr lang="en-US"/>
           </a:p>
@@ -583,6 +583,90 @@
           <a:p>
             <a:fld id="{CB15E9BC-2F2C-4DD2-9716-13A875E02CF8}" type="slidenum">
               <a:rPr lang="en-US" smtClean="0"/>
+              <a:t>5</a:t>
+            </a:fld>
+            <a:endParaRPr lang="en-US"/>
+          </a:p>
+        </p:txBody>
+      </p:sp>
+    </p:spTree>
+    <p:extLst>
+      <p:ext uri="{BB962C8B-B14F-4D97-AF65-F5344CB8AC3E}">
+        <p14:creationId xmlns:p14="http://schemas.microsoft.com/office/powerpoint/2010/main" val="3662165677"/>
+      </p:ext>
+    </p:extLst>
+  </p:cSld>
+  <p:clrMapOvr>
+    <a:masterClrMapping/>
+  </p:clrMapOvr>
+</p:notes>
+</file>
+
+<file path=ppt/notesSlides/notesSlide2.xml><?xml version="1.0" encoding="utf-8"?>
+<p:notes xmlns:a="http://schemas.openxmlformats.org/drawingml/2006/main" xmlns:r="http://schemas.openxmlformats.org/officeDocument/2006/relationships" xmlns:p="http://schemas.openxmlformats.org/presentationml/2006/main">
+  <p:cSld>
+    <p:spTree>
+      <p:nvGrpSpPr>
+        <p:cNvPr id="1" name=""/>
+        <p:cNvGrpSpPr/>
+        <p:nvPr/>
+      </p:nvGrpSpPr>
+      <p:grpSpPr>
+        <a:xfrm>
+          <a:off x="0" y="0"/>
+          <a:ext cx="0" cy="0"/>
+          <a:chOff x="0" y="0"/>
+          <a:chExt cx="0" cy="0"/>
+        </a:xfrm>
+      </p:grpSpPr>
+      <p:sp>
+        <p:nvSpPr>
+          <p:cNvPr id="2" name="Slide Image Placeholder 1"/>
+          <p:cNvSpPr>
+            <a:spLocks noGrp="1" noRot="1" noChangeAspect="1"/>
+          </p:cNvSpPr>
+          <p:nvPr>
+            <p:ph type="sldImg"/>
+          </p:nvPr>
+        </p:nvSpPr>
+        <p:spPr/>
+      </p:sp>
+      <p:sp>
+        <p:nvSpPr>
+          <p:cNvPr id="3" name="Notes Placeholder 2"/>
+          <p:cNvSpPr>
+            <a:spLocks noGrp="1"/>
+          </p:cNvSpPr>
+          <p:nvPr>
+            <p:ph type="body" idx="1"/>
+          </p:nvPr>
+        </p:nvSpPr>
+        <p:spPr/>
+        <p:txBody>
+          <a:bodyPr/>
+          <a:lstStyle/>
+          <a:p>
+            <a:endParaRPr lang="en-US" dirty="0"/>
+          </a:p>
+        </p:txBody>
+      </p:sp>
+      <p:sp>
+        <p:nvSpPr>
+          <p:cNvPr id="4" name="Slide Number Placeholder 3"/>
+          <p:cNvSpPr>
+            <a:spLocks noGrp="1"/>
+          </p:cNvSpPr>
+          <p:nvPr>
+            <p:ph type="sldNum" sz="quarter" idx="5"/>
+          </p:nvPr>
+        </p:nvSpPr>
+        <p:spPr/>
+        <p:txBody>
+          <a:bodyPr/>
+          <a:lstStyle/>
+          <a:p>
+            <a:fld id="{CB15E9BC-2F2C-4DD2-9716-13A875E02CF8}" type="slidenum">
+              <a:rPr lang="en-US" smtClean="0"/>
               <a:t>6</a:t>
             </a:fld>
             <a:endParaRPr lang="en-US"/>
@@ -602,7 +686,7 @@
 </p:notes>
 </file>
 
-<file path=ppt/notesSlides/notesSlide2.xml><?xml version="1.0" encoding="utf-8"?>
+<file path=ppt/notesSlides/notesSlide3.xml><?xml version="1.0" encoding="utf-8"?>
 <p:notes xmlns:a="http://schemas.openxmlformats.org/drawingml/2006/main" xmlns:r="http://schemas.openxmlformats.org/officeDocument/2006/relationships" xmlns:p="http://schemas.openxmlformats.org/presentationml/2006/main">
   <p:cSld>
     <p:spTree>
@@ -6616,122 +6700,15 @@
           <a:lstStyle/>
           <a:p>
             <a:r>
-              <a:rPr lang="en-US" altLang="en-US" sz="4000" dirty="0" err="1">
+              <a:rPr lang="vi-VN" altLang="en-US" sz="4000" dirty="0">
                 <a:solidFill>
                   <a:srgbClr val="9A7200"/>
                 </a:solidFill>
                 <a:latin typeface="Times New Roman" panose="02020603050405020304" pitchFamily="18" charset="0"/>
                 <a:cs typeface="Times New Roman" panose="02020603050405020304" pitchFamily="18" charset="0"/>
               </a:rPr>
-              <a:t>Kết</a:t>
-            </a:r>
-            <a:r>
-              <a:rPr lang="en-US" altLang="en-US" sz="4000" dirty="0">
-                <a:solidFill>
-                  <a:srgbClr val="9A7200"/>
-                </a:solidFill>
-                <a:latin typeface="Times New Roman" panose="02020603050405020304" pitchFamily="18" charset="0"/>
-                <a:cs typeface="Times New Roman" panose="02020603050405020304" pitchFamily="18" charset="0"/>
-              </a:rPr>
-              <a:t> </a:t>
-            </a:r>
-            <a:r>
-              <a:rPr lang="en-US" altLang="en-US" sz="4000" dirty="0" err="1">
-                <a:solidFill>
-                  <a:srgbClr val="9A7200"/>
-                </a:solidFill>
-                <a:latin typeface="Times New Roman" panose="02020603050405020304" pitchFamily="18" charset="0"/>
-                <a:cs typeface="Times New Roman" panose="02020603050405020304" pitchFamily="18" charset="0"/>
-              </a:rPr>
-              <a:t>luận</a:t>
-            </a:r>
-            <a:r>
-              <a:rPr lang="en-US" altLang="en-US" sz="4000" dirty="0">
-                <a:solidFill>
-                  <a:srgbClr val="9A7200"/>
-                </a:solidFill>
-                <a:latin typeface="Times New Roman" panose="02020603050405020304" pitchFamily="18" charset="0"/>
-                <a:cs typeface="Times New Roman" panose="02020603050405020304" pitchFamily="18" charset="0"/>
-              </a:rPr>
-              <a:t> </a:t>
-            </a:r>
-            <a:r>
-              <a:rPr lang="en-US" altLang="en-US" sz="4000" dirty="0" err="1">
-                <a:solidFill>
-                  <a:srgbClr val="9A7200"/>
-                </a:solidFill>
-                <a:latin typeface="Times New Roman" panose="02020603050405020304" pitchFamily="18" charset="0"/>
-                <a:cs typeface="Times New Roman" panose="02020603050405020304" pitchFamily="18" charset="0"/>
-              </a:rPr>
-              <a:t>và</a:t>
-            </a:r>
-            <a:r>
-              <a:rPr lang="en-US" altLang="en-US" sz="4000" dirty="0">
-                <a:solidFill>
-                  <a:srgbClr val="9A7200"/>
-                </a:solidFill>
-                <a:latin typeface="Times New Roman" panose="02020603050405020304" pitchFamily="18" charset="0"/>
-                <a:cs typeface="Times New Roman" panose="02020603050405020304" pitchFamily="18" charset="0"/>
-              </a:rPr>
-              <a:t> </a:t>
-            </a:r>
-            <a:r>
-              <a:rPr lang="en-US" altLang="en-US" sz="4000" dirty="0" err="1">
-                <a:solidFill>
-                  <a:srgbClr val="9A7200"/>
-                </a:solidFill>
-                <a:latin typeface="Times New Roman" panose="02020603050405020304" pitchFamily="18" charset="0"/>
-                <a:cs typeface="Times New Roman" panose="02020603050405020304" pitchFamily="18" charset="0"/>
-              </a:rPr>
-              <a:t>hướng</a:t>
-            </a:r>
-            <a:r>
-              <a:rPr lang="en-US" altLang="en-US" sz="4000" dirty="0">
-                <a:solidFill>
-                  <a:srgbClr val="9A7200"/>
-                </a:solidFill>
-                <a:latin typeface="Times New Roman" panose="02020603050405020304" pitchFamily="18" charset="0"/>
-                <a:cs typeface="Times New Roman" panose="02020603050405020304" pitchFamily="18" charset="0"/>
-              </a:rPr>
-              <a:t> </a:t>
-            </a:r>
-            <a:r>
-              <a:rPr lang="en-US" altLang="en-US" sz="4000" dirty="0" err="1">
-                <a:solidFill>
-                  <a:srgbClr val="9A7200"/>
-                </a:solidFill>
-                <a:latin typeface="Times New Roman" panose="02020603050405020304" pitchFamily="18" charset="0"/>
-                <a:cs typeface="Times New Roman" panose="02020603050405020304" pitchFamily="18" charset="0"/>
-              </a:rPr>
-              <a:t>phát</a:t>
-            </a:r>
-            <a:r>
-              <a:rPr lang="en-US" altLang="en-US" sz="4000" dirty="0">
-                <a:solidFill>
-                  <a:srgbClr val="9A7200"/>
-                </a:solidFill>
-                <a:latin typeface="Times New Roman" panose="02020603050405020304" pitchFamily="18" charset="0"/>
-                <a:cs typeface="Times New Roman" panose="02020603050405020304" pitchFamily="18" charset="0"/>
-              </a:rPr>
-              <a:t> </a:t>
-            </a:r>
-            <a:r>
-              <a:rPr lang="en-US" altLang="en-US" sz="4000" dirty="0" err="1">
-                <a:solidFill>
-                  <a:srgbClr val="9A7200"/>
-                </a:solidFill>
-                <a:latin typeface="Times New Roman" panose="02020603050405020304" pitchFamily="18" charset="0"/>
-                <a:cs typeface="Times New Roman" panose="02020603050405020304" pitchFamily="18" charset="0"/>
-              </a:rPr>
-              <a:t>triển</a:t>
-            </a:r>
-            <a:endParaRPr lang="en-US" altLang="en-US" sz="4000" dirty="0">
-              <a:solidFill>
-                <a:srgbClr val="9A7200"/>
-              </a:solidFill>
-              <a:latin typeface="Times New Roman" panose="02020603050405020304" pitchFamily="18" charset="0"/>
-              <a:cs typeface="Times New Roman" panose="02020603050405020304" pitchFamily="18" charset="0"/>
-            </a:endParaRPr>
+              <a:t>Kết luận và hướng phát triển</a:t>
+            </a:r>
           </a:p>
         </p:txBody>
       </p:sp>
@@ -6765,864 +6742,24 @@
               <a:buNone/>
             </a:pPr>
             <a:r>
-              <a:rPr lang="en-US" altLang="en-US" b="1" dirty="0" err="1">
-                <a:solidFill>
-                  <a:schemeClr val="tx1"/>
-                </a:solidFill>
-                <a:latin typeface="Times New Roman" panose="02020603050405020304" pitchFamily="18" charset="0"/>
-                <a:cs typeface="Times New Roman" panose="02020603050405020304" pitchFamily="18" charset="0"/>
-              </a:rPr>
-              <a:t>Kết</a:t>
-            </a:r>
-            <a:r>
-              <a:rPr lang="en-US" altLang="en-US" b="1" dirty="0">
-                <a:solidFill>
-                  <a:schemeClr val="tx1"/>
-                </a:solidFill>
-                <a:latin typeface="Times New Roman" panose="02020603050405020304" pitchFamily="18" charset="0"/>
-                <a:cs typeface="Times New Roman" panose="02020603050405020304" pitchFamily="18" charset="0"/>
-              </a:rPr>
-              <a:t> </a:t>
-            </a:r>
-            <a:r>
-              <a:rPr lang="en-US" altLang="en-US" b="1" dirty="0" err="1">
-                <a:solidFill>
-                  <a:schemeClr val="tx1"/>
-                </a:solidFill>
-                <a:latin typeface="Times New Roman" panose="02020603050405020304" pitchFamily="18" charset="0"/>
-                <a:cs typeface="Times New Roman" panose="02020603050405020304" pitchFamily="18" charset="0"/>
-              </a:rPr>
-              <a:t>luận</a:t>
-            </a:r>
-            <a:r>
-              <a:rPr lang="en-US" altLang="en-US" b="1" dirty="0">
-                <a:solidFill>
-                  <a:schemeClr val="tx1"/>
-                </a:solidFill>
-                <a:latin typeface="Times New Roman" panose="02020603050405020304" pitchFamily="18" charset="0"/>
-                <a:cs typeface="Times New Roman" panose="02020603050405020304" pitchFamily="18" charset="0"/>
-              </a:rPr>
-              <a:t>: </a:t>
-            </a:r>
-            <a:r>
-              <a:rPr lang="en-US" altLang="en-US" dirty="0" err="1">
-                <a:solidFill>
-                  <a:schemeClr val="tx1"/>
-                </a:solidFill>
-                <a:latin typeface="Times New Roman" panose="02020603050405020304" pitchFamily="18" charset="0"/>
-                <a:cs typeface="Times New Roman" panose="02020603050405020304" pitchFamily="18" charset="0"/>
-              </a:rPr>
-              <a:t>Xây</a:t>
-            </a:r>
-            <a:r>
-              <a:rPr lang="en-US" altLang="en-US" dirty="0">
-                <a:solidFill>
-                  <a:schemeClr val="tx1"/>
-                </a:solidFill>
-                <a:latin typeface="Times New Roman" panose="02020603050405020304" pitchFamily="18" charset="0"/>
-                <a:cs typeface="Times New Roman" panose="02020603050405020304" pitchFamily="18" charset="0"/>
-              </a:rPr>
-              <a:t> </a:t>
-            </a:r>
-            <a:r>
-              <a:rPr lang="en-US" altLang="en-US" dirty="0" err="1">
-                <a:solidFill>
-                  <a:schemeClr val="tx1"/>
-                </a:solidFill>
-                <a:latin typeface="Times New Roman" panose="02020603050405020304" pitchFamily="18" charset="0"/>
-                <a:cs typeface="Times New Roman" panose="02020603050405020304" pitchFamily="18" charset="0"/>
-              </a:rPr>
-              <a:t>dựng</a:t>
-            </a:r>
-            <a:r>
-              <a:rPr lang="en-US" altLang="en-US" dirty="0">
-                <a:solidFill>
-                  <a:schemeClr val="tx1"/>
-                </a:solidFill>
-                <a:latin typeface="Times New Roman" panose="02020603050405020304" pitchFamily="18" charset="0"/>
-                <a:cs typeface="Times New Roman" panose="02020603050405020304" pitchFamily="18" charset="0"/>
-              </a:rPr>
-              <a:t> </a:t>
-            </a:r>
-            <a:r>
-              <a:rPr lang="en-US" altLang="en-US" dirty="0" err="1">
-                <a:solidFill>
-                  <a:schemeClr val="tx1"/>
-                </a:solidFill>
-                <a:latin typeface="Times New Roman" panose="02020603050405020304" pitchFamily="18" charset="0"/>
-                <a:cs typeface="Times New Roman" panose="02020603050405020304" pitchFamily="18" charset="0"/>
-              </a:rPr>
-              <a:t>được</a:t>
-            </a:r>
-            <a:r>
-              <a:rPr lang="en-US" altLang="en-US" dirty="0">
-                <a:solidFill>
-                  <a:schemeClr val="tx1"/>
-                </a:solidFill>
-                <a:latin typeface="Times New Roman" panose="02020603050405020304" pitchFamily="18" charset="0"/>
-                <a:cs typeface="Times New Roman" panose="02020603050405020304" pitchFamily="18" charset="0"/>
-              </a:rPr>
-              <a:t> </a:t>
-            </a:r>
-            <a:r>
-              <a:rPr lang="en-US" altLang="en-US" dirty="0" err="1">
-                <a:solidFill>
-                  <a:schemeClr val="tx1"/>
-                </a:solidFill>
-                <a:latin typeface="Times New Roman" panose="02020603050405020304" pitchFamily="18" charset="0"/>
-                <a:cs typeface="Times New Roman" panose="02020603050405020304" pitchFamily="18" charset="0"/>
-              </a:rPr>
-              <a:t>một</a:t>
-            </a:r>
-            <a:r>
-              <a:rPr lang="en-US" altLang="en-US" dirty="0">
-                <a:solidFill>
-                  <a:schemeClr val="tx1"/>
-                </a:solidFill>
-                <a:latin typeface="Times New Roman" panose="02020603050405020304" pitchFamily="18" charset="0"/>
-                <a:cs typeface="Times New Roman" panose="02020603050405020304" pitchFamily="18" charset="0"/>
-              </a:rPr>
-              <a:t> website </a:t>
-            </a:r>
-            <a:r>
-              <a:rPr lang="en-US" altLang="en-US" dirty="0" err="1">
-                <a:solidFill>
-                  <a:schemeClr val="tx1"/>
-                </a:solidFill>
-                <a:latin typeface="Times New Roman" panose="02020603050405020304" pitchFamily="18" charset="0"/>
-                <a:cs typeface="Times New Roman" panose="02020603050405020304" pitchFamily="18" charset="0"/>
-              </a:rPr>
-              <a:t>thân</a:t>
-            </a:r>
-            <a:r>
-              <a:rPr lang="en-US" altLang="en-US" dirty="0">
-                <a:solidFill>
-                  <a:schemeClr val="tx1"/>
-                </a:solidFill>
-                <a:latin typeface="Times New Roman" panose="02020603050405020304" pitchFamily="18" charset="0"/>
-                <a:cs typeface="Times New Roman" panose="02020603050405020304" pitchFamily="18" charset="0"/>
-              </a:rPr>
-              <a:t> </a:t>
-            </a:r>
-            <a:r>
-              <a:rPr lang="en-US" altLang="en-US" dirty="0" err="1">
-                <a:solidFill>
-                  <a:schemeClr val="tx1"/>
-                </a:solidFill>
-                <a:latin typeface="Times New Roman" panose="02020603050405020304" pitchFamily="18" charset="0"/>
-                <a:cs typeface="Times New Roman" panose="02020603050405020304" pitchFamily="18" charset="0"/>
-              </a:rPr>
-              <a:t>thiện</a:t>
-            </a:r>
-            <a:r>
-              <a:rPr lang="en-US" altLang="en-US" dirty="0">
-                <a:solidFill>
-                  <a:schemeClr val="tx1"/>
-                </a:solidFill>
-                <a:latin typeface="Times New Roman" panose="02020603050405020304" pitchFamily="18" charset="0"/>
-                <a:cs typeface="Times New Roman" panose="02020603050405020304" pitchFamily="18" charset="0"/>
-              </a:rPr>
-              <a:t> </a:t>
-            </a:r>
-            <a:r>
-              <a:rPr lang="en-US" altLang="en-US" dirty="0" err="1">
-                <a:solidFill>
-                  <a:schemeClr val="tx1"/>
-                </a:solidFill>
-                <a:latin typeface="Times New Roman" panose="02020603050405020304" pitchFamily="18" charset="0"/>
-                <a:cs typeface="Times New Roman" panose="02020603050405020304" pitchFamily="18" charset="0"/>
-              </a:rPr>
-              <a:t>cho</a:t>
-            </a:r>
-            <a:r>
-              <a:rPr lang="en-US" altLang="en-US" dirty="0">
-                <a:solidFill>
-                  <a:schemeClr val="tx1"/>
-                </a:solidFill>
-                <a:latin typeface="Times New Roman" panose="02020603050405020304" pitchFamily="18" charset="0"/>
-                <a:cs typeface="Times New Roman" panose="02020603050405020304" pitchFamily="18" charset="0"/>
-              </a:rPr>
-              <a:t> </a:t>
-            </a:r>
-            <a:r>
-              <a:rPr lang="en-US" altLang="en-US" dirty="0" err="1">
-                <a:solidFill>
-                  <a:schemeClr val="tx1"/>
-                </a:solidFill>
-                <a:latin typeface="Times New Roman" panose="02020603050405020304" pitchFamily="18" charset="0"/>
-                <a:cs typeface="Times New Roman" panose="02020603050405020304" pitchFamily="18" charset="0"/>
-              </a:rPr>
-              <a:t>dễ</a:t>
-            </a:r>
-            <a:r>
-              <a:rPr lang="en-US" altLang="en-US" dirty="0">
-                <a:solidFill>
-                  <a:schemeClr val="tx1"/>
-                </a:solidFill>
-                <a:latin typeface="Times New Roman" panose="02020603050405020304" pitchFamily="18" charset="0"/>
-                <a:cs typeface="Times New Roman" panose="02020603050405020304" pitchFamily="18" charset="0"/>
-              </a:rPr>
-              <a:t> </a:t>
-            </a:r>
-            <a:r>
-              <a:rPr lang="en-US" altLang="en-US" dirty="0" err="1">
-                <a:solidFill>
-                  <a:schemeClr val="tx1"/>
-                </a:solidFill>
-                <a:latin typeface="Times New Roman" panose="02020603050405020304" pitchFamily="18" charset="0"/>
-                <a:cs typeface="Times New Roman" panose="02020603050405020304" pitchFamily="18" charset="0"/>
-              </a:rPr>
-              <a:t>dàng</a:t>
-            </a:r>
-            <a:r>
-              <a:rPr lang="en-US" altLang="en-US" dirty="0">
-                <a:solidFill>
-                  <a:schemeClr val="tx1"/>
-                </a:solidFill>
-                <a:latin typeface="Times New Roman" panose="02020603050405020304" pitchFamily="18" charset="0"/>
-                <a:cs typeface="Times New Roman" panose="02020603050405020304" pitchFamily="18" charset="0"/>
-              </a:rPr>
-              <a:t> </a:t>
-            </a:r>
-            <a:r>
-              <a:rPr lang="en-US" altLang="en-US" dirty="0" err="1">
-                <a:solidFill>
-                  <a:schemeClr val="tx1"/>
-                </a:solidFill>
-                <a:latin typeface="Times New Roman" panose="02020603050405020304" pitchFamily="18" charset="0"/>
-                <a:cs typeface="Times New Roman" panose="02020603050405020304" pitchFamily="18" charset="0"/>
-              </a:rPr>
-              <a:t>cho</a:t>
-            </a:r>
-            <a:r>
-              <a:rPr lang="en-US" altLang="en-US" dirty="0">
-                <a:solidFill>
-                  <a:schemeClr val="tx1"/>
-                </a:solidFill>
-                <a:latin typeface="Times New Roman" panose="02020603050405020304" pitchFamily="18" charset="0"/>
-                <a:cs typeface="Times New Roman" panose="02020603050405020304" pitchFamily="18" charset="0"/>
-              </a:rPr>
-              <a:t> </a:t>
-            </a:r>
-            <a:r>
-              <a:rPr lang="en-US" altLang="en-US" dirty="0" err="1">
-                <a:solidFill>
-                  <a:schemeClr val="tx1"/>
-                </a:solidFill>
-                <a:latin typeface="Times New Roman" panose="02020603050405020304" pitchFamily="18" charset="0"/>
-                <a:cs typeface="Times New Roman" panose="02020603050405020304" pitchFamily="18" charset="0"/>
-              </a:rPr>
-              <a:t>người</a:t>
-            </a:r>
-            <a:r>
-              <a:rPr lang="en-US" altLang="en-US" dirty="0">
-                <a:solidFill>
-                  <a:schemeClr val="tx1"/>
-                </a:solidFill>
-                <a:latin typeface="Times New Roman" panose="02020603050405020304" pitchFamily="18" charset="0"/>
-                <a:cs typeface="Times New Roman" panose="02020603050405020304" pitchFamily="18" charset="0"/>
-              </a:rPr>
-              <a:t> </a:t>
-            </a:r>
-            <a:r>
-              <a:rPr lang="en-US" altLang="en-US" dirty="0" err="1">
-                <a:solidFill>
-                  <a:schemeClr val="tx1"/>
-                </a:solidFill>
-                <a:latin typeface="Times New Roman" panose="02020603050405020304" pitchFamily="18" charset="0"/>
-                <a:cs typeface="Times New Roman" panose="02020603050405020304" pitchFamily="18" charset="0"/>
-              </a:rPr>
-              <a:t>sử</a:t>
-            </a:r>
-            <a:r>
-              <a:rPr lang="en-US" altLang="en-US" dirty="0">
-                <a:solidFill>
-                  <a:schemeClr val="tx1"/>
-                </a:solidFill>
-                <a:latin typeface="Times New Roman" panose="02020603050405020304" pitchFamily="18" charset="0"/>
-                <a:cs typeface="Times New Roman" panose="02020603050405020304" pitchFamily="18" charset="0"/>
-              </a:rPr>
-              <a:t> </a:t>
-            </a:r>
-            <a:r>
-              <a:rPr lang="en-US" altLang="en-US" dirty="0" err="1">
-                <a:solidFill>
-                  <a:schemeClr val="tx1"/>
-                </a:solidFill>
-                <a:latin typeface="Times New Roman" panose="02020603050405020304" pitchFamily="18" charset="0"/>
-                <a:cs typeface="Times New Roman" panose="02020603050405020304" pitchFamily="18" charset="0"/>
-              </a:rPr>
-              <a:t>dụng</a:t>
-            </a:r>
-            <a:r>
-              <a:rPr lang="en-US" altLang="en-US" dirty="0">
-                <a:solidFill>
-                  <a:schemeClr val="tx1"/>
-                </a:solidFill>
-                <a:latin typeface="Times New Roman" panose="02020603050405020304" pitchFamily="18" charset="0"/>
-                <a:cs typeface="Times New Roman" panose="02020603050405020304" pitchFamily="18" charset="0"/>
-              </a:rPr>
-              <a:t>. </a:t>
-            </a:r>
-            <a:r>
-              <a:rPr lang="en-US" altLang="en-US" dirty="0" err="1">
-                <a:solidFill>
-                  <a:schemeClr val="tx1"/>
-                </a:solidFill>
-                <a:latin typeface="Times New Roman" panose="02020603050405020304" pitchFamily="18" charset="0"/>
-                <a:cs typeface="Times New Roman" panose="02020603050405020304" pitchFamily="18" charset="0"/>
-              </a:rPr>
-              <a:t>Với</a:t>
-            </a:r>
-            <a:r>
-              <a:rPr lang="en-US" altLang="en-US" dirty="0">
-                <a:solidFill>
-                  <a:schemeClr val="tx1"/>
-                </a:solidFill>
-                <a:latin typeface="Times New Roman" panose="02020603050405020304" pitchFamily="18" charset="0"/>
-                <a:cs typeface="Times New Roman" panose="02020603050405020304" pitchFamily="18" charset="0"/>
-              </a:rPr>
-              <a:t> </a:t>
-            </a:r>
-            <a:r>
-              <a:rPr lang="en-US" altLang="en-US" dirty="0" err="1">
-                <a:solidFill>
-                  <a:schemeClr val="tx1"/>
-                </a:solidFill>
-                <a:latin typeface="Times New Roman" panose="02020603050405020304" pitchFamily="18" charset="0"/>
-                <a:cs typeface="Times New Roman" panose="02020603050405020304" pitchFamily="18" charset="0"/>
-              </a:rPr>
-              <a:t>các</a:t>
-            </a:r>
-            <a:r>
-              <a:rPr lang="en-US" altLang="en-US" dirty="0">
-                <a:solidFill>
-                  <a:schemeClr val="tx1"/>
-                </a:solidFill>
-                <a:latin typeface="Times New Roman" panose="02020603050405020304" pitchFamily="18" charset="0"/>
-                <a:cs typeface="Times New Roman" panose="02020603050405020304" pitchFamily="18" charset="0"/>
-              </a:rPr>
-              <a:t> </a:t>
-            </a:r>
-            <a:r>
-              <a:rPr lang="en-US" altLang="en-US" dirty="0" err="1">
-                <a:solidFill>
-                  <a:schemeClr val="tx1"/>
-                </a:solidFill>
-                <a:latin typeface="Times New Roman" panose="02020603050405020304" pitchFamily="18" charset="0"/>
-                <a:cs typeface="Times New Roman" panose="02020603050405020304" pitchFamily="18" charset="0"/>
-              </a:rPr>
-              <a:t>chức</a:t>
-            </a:r>
-            <a:r>
-              <a:rPr lang="en-US" altLang="en-US" dirty="0">
-                <a:solidFill>
-                  <a:schemeClr val="tx1"/>
-                </a:solidFill>
-                <a:latin typeface="Times New Roman" panose="02020603050405020304" pitchFamily="18" charset="0"/>
-                <a:cs typeface="Times New Roman" panose="02020603050405020304" pitchFamily="18" charset="0"/>
-              </a:rPr>
-              <a:t> </a:t>
-            </a:r>
-            <a:r>
-              <a:rPr lang="en-US" altLang="en-US" dirty="0" err="1">
-                <a:solidFill>
-                  <a:schemeClr val="tx1"/>
-                </a:solidFill>
-                <a:latin typeface="Times New Roman" panose="02020603050405020304" pitchFamily="18" charset="0"/>
-                <a:cs typeface="Times New Roman" panose="02020603050405020304" pitchFamily="18" charset="0"/>
-              </a:rPr>
-              <a:t>năng</a:t>
-            </a:r>
-            <a:r>
-              <a:rPr lang="en-US" altLang="en-US" dirty="0">
-                <a:solidFill>
-                  <a:schemeClr val="tx1"/>
-                </a:solidFill>
-                <a:latin typeface="Times New Roman" panose="02020603050405020304" pitchFamily="18" charset="0"/>
-                <a:cs typeface="Times New Roman" panose="02020603050405020304" pitchFamily="18" charset="0"/>
-              </a:rPr>
-              <a:t> </a:t>
-            </a:r>
-            <a:r>
-              <a:rPr lang="en-US" altLang="en-US" dirty="0" err="1">
-                <a:solidFill>
-                  <a:schemeClr val="tx1"/>
-                </a:solidFill>
-                <a:latin typeface="Times New Roman" panose="02020603050405020304" pitchFamily="18" charset="0"/>
-                <a:cs typeface="Times New Roman" panose="02020603050405020304" pitchFamily="18" charset="0"/>
-              </a:rPr>
-              <a:t>như</a:t>
-            </a:r>
-            <a:r>
-              <a:rPr lang="en-US" altLang="en-US" dirty="0">
-                <a:solidFill>
-                  <a:schemeClr val="tx1"/>
-                </a:solidFill>
-                <a:latin typeface="Times New Roman" panose="02020603050405020304" pitchFamily="18" charset="0"/>
-                <a:cs typeface="Times New Roman" panose="02020603050405020304" pitchFamily="18" charset="0"/>
-              </a:rPr>
-              <a:t> </a:t>
-            </a:r>
-            <a:r>
-              <a:rPr lang="en-US" altLang="en-US" dirty="0" err="1">
-                <a:solidFill>
-                  <a:schemeClr val="tx1"/>
-                </a:solidFill>
-                <a:latin typeface="Times New Roman" panose="02020603050405020304" pitchFamily="18" charset="0"/>
-                <a:cs typeface="Times New Roman" panose="02020603050405020304" pitchFamily="18" charset="0"/>
-              </a:rPr>
-              <a:t>lọc</a:t>
-            </a:r>
-            <a:r>
-              <a:rPr lang="en-US" altLang="en-US" dirty="0">
-                <a:solidFill>
-                  <a:schemeClr val="tx1"/>
-                </a:solidFill>
-                <a:latin typeface="Times New Roman" panose="02020603050405020304" pitchFamily="18" charset="0"/>
-                <a:cs typeface="Times New Roman" panose="02020603050405020304" pitchFamily="18" charset="0"/>
-              </a:rPr>
-              <a:t> </a:t>
-            </a:r>
-            <a:r>
-              <a:rPr lang="en-US" altLang="en-US" dirty="0" err="1">
-                <a:solidFill>
-                  <a:schemeClr val="tx1"/>
-                </a:solidFill>
-                <a:latin typeface="Times New Roman" panose="02020603050405020304" pitchFamily="18" charset="0"/>
-                <a:cs typeface="Times New Roman" panose="02020603050405020304" pitchFamily="18" charset="0"/>
-              </a:rPr>
-              <a:t>sản</a:t>
-            </a:r>
-            <a:r>
-              <a:rPr lang="en-US" altLang="en-US" dirty="0">
-                <a:solidFill>
-                  <a:schemeClr val="tx1"/>
-                </a:solidFill>
-                <a:latin typeface="Times New Roman" panose="02020603050405020304" pitchFamily="18" charset="0"/>
-                <a:cs typeface="Times New Roman" panose="02020603050405020304" pitchFamily="18" charset="0"/>
-              </a:rPr>
-              <a:t> </a:t>
-            </a:r>
-            <a:r>
-              <a:rPr lang="en-US" altLang="en-US" dirty="0" err="1">
-                <a:solidFill>
-                  <a:schemeClr val="tx1"/>
-                </a:solidFill>
-                <a:latin typeface="Times New Roman" panose="02020603050405020304" pitchFamily="18" charset="0"/>
-                <a:cs typeface="Times New Roman" panose="02020603050405020304" pitchFamily="18" charset="0"/>
-              </a:rPr>
-              <a:t>phẩm</a:t>
-            </a:r>
-            <a:r>
-              <a:rPr lang="en-US" altLang="en-US" dirty="0">
-                <a:solidFill>
-                  <a:schemeClr val="tx1"/>
-                </a:solidFill>
-                <a:latin typeface="Times New Roman" panose="02020603050405020304" pitchFamily="18" charset="0"/>
-                <a:cs typeface="Times New Roman" panose="02020603050405020304" pitchFamily="18" charset="0"/>
-              </a:rPr>
-              <a:t> </a:t>
-            </a:r>
-            <a:r>
-              <a:rPr lang="en-US" altLang="en-US" dirty="0" err="1">
-                <a:solidFill>
-                  <a:schemeClr val="tx1"/>
-                </a:solidFill>
-                <a:latin typeface="Times New Roman" panose="02020603050405020304" pitchFamily="18" charset="0"/>
-                <a:cs typeface="Times New Roman" panose="02020603050405020304" pitchFamily="18" charset="0"/>
-              </a:rPr>
-              <a:t>theo</a:t>
-            </a:r>
-            <a:r>
-              <a:rPr lang="en-US" altLang="en-US" dirty="0">
-                <a:solidFill>
-                  <a:schemeClr val="tx1"/>
-                </a:solidFill>
-                <a:latin typeface="Times New Roman" panose="02020603050405020304" pitchFamily="18" charset="0"/>
-                <a:cs typeface="Times New Roman" panose="02020603050405020304" pitchFamily="18" charset="0"/>
-              </a:rPr>
-              <a:t> </a:t>
-            </a:r>
-            <a:r>
-              <a:rPr lang="en-US" altLang="en-US" dirty="0" err="1">
-                <a:solidFill>
-                  <a:schemeClr val="tx1"/>
-                </a:solidFill>
-                <a:latin typeface="Times New Roman" panose="02020603050405020304" pitchFamily="18" charset="0"/>
-                <a:cs typeface="Times New Roman" panose="02020603050405020304" pitchFamily="18" charset="0"/>
-              </a:rPr>
-              <a:t>cùng</a:t>
-            </a:r>
-            <a:r>
-              <a:rPr lang="en-US" altLang="en-US" dirty="0">
-                <a:solidFill>
-                  <a:schemeClr val="tx1"/>
-                </a:solidFill>
-                <a:latin typeface="Times New Roman" panose="02020603050405020304" pitchFamily="18" charset="0"/>
-                <a:cs typeface="Times New Roman" panose="02020603050405020304" pitchFamily="18" charset="0"/>
-              </a:rPr>
-              <a:t> </a:t>
-            </a:r>
-            <a:r>
-              <a:rPr lang="en-US" altLang="en-US" dirty="0" err="1">
-                <a:solidFill>
-                  <a:schemeClr val="tx1"/>
-                </a:solidFill>
-                <a:latin typeface="Times New Roman" panose="02020603050405020304" pitchFamily="18" charset="0"/>
-                <a:cs typeface="Times New Roman" panose="02020603050405020304" pitchFamily="18" charset="0"/>
-              </a:rPr>
-              <a:t>danh</a:t>
-            </a:r>
-            <a:r>
-              <a:rPr lang="en-US" altLang="en-US" dirty="0">
-                <a:solidFill>
-                  <a:schemeClr val="tx1"/>
-                </a:solidFill>
-                <a:latin typeface="Times New Roman" panose="02020603050405020304" pitchFamily="18" charset="0"/>
-                <a:cs typeface="Times New Roman" panose="02020603050405020304" pitchFamily="18" charset="0"/>
-              </a:rPr>
-              <a:t> </a:t>
-            </a:r>
-            <a:r>
-              <a:rPr lang="en-US" altLang="en-US" dirty="0" err="1">
-                <a:solidFill>
-                  <a:schemeClr val="tx1"/>
-                </a:solidFill>
-                <a:latin typeface="Times New Roman" panose="02020603050405020304" pitchFamily="18" charset="0"/>
-                <a:cs typeface="Times New Roman" panose="02020603050405020304" pitchFamily="18" charset="0"/>
-              </a:rPr>
-              <a:t>mục</a:t>
-            </a:r>
-            <a:r>
-              <a:rPr lang="en-US" altLang="en-US" dirty="0">
-                <a:solidFill>
-                  <a:schemeClr val="tx1"/>
-                </a:solidFill>
-                <a:latin typeface="Times New Roman" panose="02020603050405020304" pitchFamily="18" charset="0"/>
-                <a:cs typeface="Times New Roman" panose="02020603050405020304" pitchFamily="18" charset="0"/>
-              </a:rPr>
-              <a:t>, so </a:t>
-            </a:r>
-            <a:r>
-              <a:rPr lang="en-US" altLang="en-US" dirty="0" err="1">
-                <a:solidFill>
-                  <a:schemeClr val="tx1"/>
-                </a:solidFill>
-                <a:latin typeface="Times New Roman" panose="02020603050405020304" pitchFamily="18" charset="0"/>
-                <a:cs typeface="Times New Roman" panose="02020603050405020304" pitchFamily="18" charset="0"/>
-              </a:rPr>
-              <a:t>sánh</a:t>
-            </a:r>
-            <a:r>
-              <a:rPr lang="en-US" altLang="en-US" dirty="0">
-                <a:solidFill>
-                  <a:schemeClr val="tx1"/>
-                </a:solidFill>
-                <a:latin typeface="Times New Roman" panose="02020603050405020304" pitchFamily="18" charset="0"/>
-                <a:cs typeface="Times New Roman" panose="02020603050405020304" pitchFamily="18" charset="0"/>
-              </a:rPr>
-              <a:t> </a:t>
-            </a:r>
-            <a:r>
-              <a:rPr lang="en-US" altLang="en-US" dirty="0" err="1">
-                <a:solidFill>
-                  <a:schemeClr val="tx1"/>
-                </a:solidFill>
-                <a:latin typeface="Times New Roman" panose="02020603050405020304" pitchFamily="18" charset="0"/>
-                <a:cs typeface="Times New Roman" panose="02020603050405020304" pitchFamily="18" charset="0"/>
-              </a:rPr>
-              <a:t>thông</a:t>
-            </a:r>
-            <a:r>
-              <a:rPr lang="en-US" altLang="en-US" dirty="0">
-                <a:solidFill>
-                  <a:schemeClr val="tx1"/>
-                </a:solidFill>
-                <a:latin typeface="Times New Roman" panose="02020603050405020304" pitchFamily="18" charset="0"/>
-                <a:cs typeface="Times New Roman" panose="02020603050405020304" pitchFamily="18" charset="0"/>
-              </a:rPr>
-              <a:t> </a:t>
-            </a:r>
-            <a:r>
-              <a:rPr lang="en-US" altLang="en-US" dirty="0" err="1">
-                <a:solidFill>
-                  <a:schemeClr val="tx1"/>
-                </a:solidFill>
-                <a:latin typeface="Times New Roman" panose="02020603050405020304" pitchFamily="18" charset="0"/>
-                <a:cs typeface="Times New Roman" panose="02020603050405020304" pitchFamily="18" charset="0"/>
-              </a:rPr>
-              <a:t>số</a:t>
-            </a:r>
-            <a:r>
-              <a:rPr lang="en-US" altLang="en-US" dirty="0">
-                <a:solidFill>
-                  <a:schemeClr val="tx1"/>
-                </a:solidFill>
-                <a:latin typeface="Times New Roman" panose="02020603050405020304" pitchFamily="18" charset="0"/>
-                <a:cs typeface="Times New Roman" panose="02020603050405020304" pitchFamily="18" charset="0"/>
-              </a:rPr>
-              <a:t> </a:t>
-            </a:r>
-            <a:r>
-              <a:rPr lang="en-US" altLang="en-US" dirty="0" err="1">
-                <a:solidFill>
-                  <a:schemeClr val="tx1"/>
-                </a:solidFill>
-                <a:latin typeface="Times New Roman" panose="02020603050405020304" pitchFamily="18" charset="0"/>
-                <a:cs typeface="Times New Roman" panose="02020603050405020304" pitchFamily="18" charset="0"/>
-              </a:rPr>
-              <a:t>kỹ</a:t>
-            </a:r>
-            <a:r>
-              <a:rPr lang="en-US" altLang="en-US" dirty="0">
-                <a:solidFill>
-                  <a:schemeClr val="tx1"/>
-                </a:solidFill>
-                <a:latin typeface="Times New Roman" panose="02020603050405020304" pitchFamily="18" charset="0"/>
-                <a:cs typeface="Times New Roman" panose="02020603050405020304" pitchFamily="18" charset="0"/>
-              </a:rPr>
-              <a:t> </a:t>
-            </a:r>
-            <a:r>
-              <a:rPr lang="en-US" altLang="en-US" dirty="0" err="1">
-                <a:solidFill>
-                  <a:schemeClr val="tx1"/>
-                </a:solidFill>
-                <a:latin typeface="Times New Roman" panose="02020603050405020304" pitchFamily="18" charset="0"/>
-                <a:cs typeface="Times New Roman" panose="02020603050405020304" pitchFamily="18" charset="0"/>
-              </a:rPr>
-              <a:t>thuật</a:t>
-            </a:r>
-            <a:r>
-              <a:rPr lang="en-US" altLang="en-US" dirty="0">
-                <a:solidFill>
-                  <a:schemeClr val="tx1"/>
-                </a:solidFill>
-                <a:latin typeface="Times New Roman" panose="02020603050405020304" pitchFamily="18" charset="0"/>
-                <a:cs typeface="Times New Roman" panose="02020603050405020304" pitchFamily="18" charset="0"/>
-              </a:rPr>
-              <a:t> </a:t>
-            </a:r>
-            <a:r>
-              <a:rPr lang="en-US" altLang="en-US" dirty="0" err="1">
-                <a:solidFill>
-                  <a:schemeClr val="tx1"/>
-                </a:solidFill>
-                <a:latin typeface="Times New Roman" panose="02020603050405020304" pitchFamily="18" charset="0"/>
-                <a:cs typeface="Times New Roman" panose="02020603050405020304" pitchFamily="18" charset="0"/>
-              </a:rPr>
-              <a:t>giữa</a:t>
-            </a:r>
-            <a:r>
-              <a:rPr lang="en-US" altLang="en-US" dirty="0">
-                <a:solidFill>
-                  <a:schemeClr val="tx1"/>
-                </a:solidFill>
-                <a:latin typeface="Times New Roman" panose="02020603050405020304" pitchFamily="18" charset="0"/>
-                <a:cs typeface="Times New Roman" panose="02020603050405020304" pitchFamily="18" charset="0"/>
-              </a:rPr>
-              <a:t> </a:t>
-            </a:r>
-            <a:r>
-              <a:rPr lang="en-US" altLang="en-US" dirty="0" err="1">
-                <a:solidFill>
-                  <a:schemeClr val="tx1"/>
-                </a:solidFill>
-                <a:latin typeface="Times New Roman" panose="02020603050405020304" pitchFamily="18" charset="0"/>
-                <a:cs typeface="Times New Roman" panose="02020603050405020304" pitchFamily="18" charset="0"/>
-              </a:rPr>
-              <a:t>các</a:t>
-            </a:r>
-            <a:r>
-              <a:rPr lang="en-US" altLang="en-US" dirty="0">
-                <a:solidFill>
-                  <a:schemeClr val="tx1"/>
-                </a:solidFill>
-                <a:latin typeface="Times New Roman" panose="02020603050405020304" pitchFamily="18" charset="0"/>
-                <a:cs typeface="Times New Roman" panose="02020603050405020304" pitchFamily="18" charset="0"/>
-              </a:rPr>
-              <a:t> </a:t>
-            </a:r>
-            <a:r>
-              <a:rPr lang="en-US" altLang="en-US" dirty="0" err="1">
-                <a:solidFill>
-                  <a:schemeClr val="tx1"/>
-                </a:solidFill>
-                <a:latin typeface="Times New Roman" panose="02020603050405020304" pitchFamily="18" charset="0"/>
-                <a:cs typeface="Times New Roman" panose="02020603050405020304" pitchFamily="18" charset="0"/>
-              </a:rPr>
-              <a:t>sản</a:t>
-            </a:r>
-            <a:r>
-              <a:rPr lang="en-US" altLang="en-US" dirty="0">
-                <a:solidFill>
-                  <a:schemeClr val="tx1"/>
-                </a:solidFill>
-                <a:latin typeface="Times New Roman" panose="02020603050405020304" pitchFamily="18" charset="0"/>
-                <a:cs typeface="Times New Roman" panose="02020603050405020304" pitchFamily="18" charset="0"/>
-              </a:rPr>
-              <a:t> </a:t>
-            </a:r>
-            <a:r>
-              <a:rPr lang="en-US" altLang="en-US" dirty="0" err="1">
-                <a:solidFill>
-                  <a:schemeClr val="tx1"/>
-                </a:solidFill>
-                <a:latin typeface="Times New Roman" panose="02020603050405020304" pitchFamily="18" charset="0"/>
-                <a:cs typeface="Times New Roman" panose="02020603050405020304" pitchFamily="18" charset="0"/>
-              </a:rPr>
-              <a:t>phẩm</a:t>
-            </a:r>
-            <a:r>
-              <a:rPr lang="en-US" altLang="en-US" dirty="0">
-                <a:solidFill>
-                  <a:schemeClr val="tx1"/>
-                </a:solidFill>
-                <a:latin typeface="Times New Roman" panose="02020603050405020304" pitchFamily="18" charset="0"/>
-                <a:cs typeface="Times New Roman" panose="02020603050405020304" pitchFamily="18" charset="0"/>
-              </a:rPr>
-              <a:t>, </a:t>
-            </a:r>
-            <a:r>
-              <a:rPr lang="en-US" altLang="en-US" dirty="0" err="1">
-                <a:solidFill>
-                  <a:schemeClr val="tx1"/>
-                </a:solidFill>
-                <a:latin typeface="Times New Roman" panose="02020603050405020304" pitchFamily="18" charset="0"/>
-                <a:cs typeface="Times New Roman" panose="02020603050405020304" pitchFamily="18" charset="0"/>
-              </a:rPr>
-              <a:t>đặt</a:t>
-            </a:r>
-            <a:r>
-              <a:rPr lang="en-US" altLang="en-US" dirty="0">
-                <a:solidFill>
-                  <a:schemeClr val="tx1"/>
-                </a:solidFill>
-                <a:latin typeface="Times New Roman" panose="02020603050405020304" pitchFamily="18" charset="0"/>
-                <a:cs typeface="Times New Roman" panose="02020603050405020304" pitchFamily="18" charset="0"/>
-              </a:rPr>
-              <a:t> </a:t>
-            </a:r>
-            <a:r>
-              <a:rPr lang="en-US" altLang="en-US" dirty="0" err="1">
-                <a:solidFill>
-                  <a:schemeClr val="tx1"/>
-                </a:solidFill>
-                <a:latin typeface="Times New Roman" panose="02020603050405020304" pitchFamily="18" charset="0"/>
-                <a:cs typeface="Times New Roman" panose="02020603050405020304" pitchFamily="18" charset="0"/>
-              </a:rPr>
-              <a:t>hàng</a:t>
-            </a:r>
-            <a:r>
-              <a:rPr lang="en-US" altLang="en-US" dirty="0">
-                <a:solidFill>
-                  <a:schemeClr val="tx1"/>
-                </a:solidFill>
-                <a:latin typeface="Times New Roman" panose="02020603050405020304" pitchFamily="18" charset="0"/>
-                <a:cs typeface="Times New Roman" panose="02020603050405020304" pitchFamily="18" charset="0"/>
-              </a:rPr>
-              <a:t>, </a:t>
-            </a:r>
-            <a:r>
-              <a:rPr lang="en-US" altLang="en-US" dirty="0" err="1">
-                <a:solidFill>
-                  <a:schemeClr val="tx1"/>
-                </a:solidFill>
-                <a:latin typeface="Times New Roman" panose="02020603050405020304" pitchFamily="18" charset="0"/>
-                <a:cs typeface="Times New Roman" panose="02020603050405020304" pitchFamily="18" charset="0"/>
-              </a:rPr>
-              <a:t>xem</a:t>
-            </a:r>
-            <a:r>
-              <a:rPr lang="en-US" altLang="en-US" dirty="0">
-                <a:solidFill>
-                  <a:schemeClr val="tx1"/>
-                </a:solidFill>
-                <a:latin typeface="Times New Roman" panose="02020603050405020304" pitchFamily="18" charset="0"/>
-                <a:cs typeface="Times New Roman" panose="02020603050405020304" pitchFamily="18" charset="0"/>
-              </a:rPr>
-              <a:t> </a:t>
-            </a:r>
-            <a:r>
-              <a:rPr lang="en-US" altLang="en-US" dirty="0" err="1">
-                <a:solidFill>
-                  <a:schemeClr val="tx1"/>
-                </a:solidFill>
-                <a:latin typeface="Times New Roman" panose="02020603050405020304" pitchFamily="18" charset="0"/>
-                <a:cs typeface="Times New Roman" panose="02020603050405020304" pitchFamily="18" charset="0"/>
-              </a:rPr>
-              <a:t>danh</a:t>
-            </a:r>
-            <a:r>
-              <a:rPr lang="en-US" altLang="en-US" dirty="0">
-                <a:solidFill>
-                  <a:schemeClr val="tx1"/>
-                </a:solidFill>
-                <a:latin typeface="Times New Roman" panose="02020603050405020304" pitchFamily="18" charset="0"/>
-                <a:cs typeface="Times New Roman" panose="02020603050405020304" pitchFamily="18" charset="0"/>
-              </a:rPr>
-              <a:t> </a:t>
-            </a:r>
-            <a:r>
-              <a:rPr lang="en-US" altLang="en-US" dirty="0" err="1">
-                <a:solidFill>
-                  <a:schemeClr val="tx1"/>
-                </a:solidFill>
-                <a:latin typeface="Times New Roman" panose="02020603050405020304" pitchFamily="18" charset="0"/>
-                <a:cs typeface="Times New Roman" panose="02020603050405020304" pitchFamily="18" charset="0"/>
-              </a:rPr>
-              <a:t>sách</a:t>
-            </a:r>
-            <a:r>
-              <a:rPr lang="en-US" altLang="en-US" dirty="0">
-                <a:solidFill>
-                  <a:schemeClr val="tx1"/>
-                </a:solidFill>
-                <a:latin typeface="Times New Roman" panose="02020603050405020304" pitchFamily="18" charset="0"/>
-                <a:cs typeface="Times New Roman" panose="02020603050405020304" pitchFamily="18" charset="0"/>
-              </a:rPr>
-              <a:t> </a:t>
-            </a:r>
-            <a:r>
-              <a:rPr lang="en-US" altLang="en-US" dirty="0" err="1">
-                <a:solidFill>
-                  <a:schemeClr val="tx1"/>
-                </a:solidFill>
-                <a:latin typeface="Times New Roman" panose="02020603050405020304" pitchFamily="18" charset="0"/>
-                <a:cs typeface="Times New Roman" panose="02020603050405020304" pitchFamily="18" charset="0"/>
-              </a:rPr>
-              <a:t>đơn</a:t>
-            </a:r>
-            <a:r>
-              <a:rPr lang="en-US" altLang="en-US" dirty="0">
-                <a:solidFill>
-                  <a:schemeClr val="tx1"/>
-                </a:solidFill>
-                <a:latin typeface="Times New Roman" panose="02020603050405020304" pitchFamily="18" charset="0"/>
-                <a:cs typeface="Times New Roman" panose="02020603050405020304" pitchFamily="18" charset="0"/>
-              </a:rPr>
-              <a:t> </a:t>
-            </a:r>
-            <a:r>
-              <a:rPr lang="en-US" altLang="en-US" dirty="0" err="1">
-                <a:solidFill>
-                  <a:schemeClr val="tx1"/>
-                </a:solidFill>
-                <a:latin typeface="Times New Roman" panose="02020603050405020304" pitchFamily="18" charset="0"/>
-                <a:cs typeface="Times New Roman" panose="02020603050405020304" pitchFamily="18" charset="0"/>
-              </a:rPr>
-              <a:t>hàng</a:t>
-            </a:r>
-            <a:r>
-              <a:rPr lang="en-US" altLang="en-US" dirty="0">
-                <a:solidFill>
-                  <a:schemeClr val="tx1"/>
-                </a:solidFill>
-                <a:latin typeface="Times New Roman" panose="02020603050405020304" pitchFamily="18" charset="0"/>
-                <a:cs typeface="Times New Roman" panose="02020603050405020304" pitchFamily="18" charset="0"/>
-              </a:rPr>
-              <a:t>, …</a:t>
+              <a:rPr lang="vi-VN" altLang="en-US" b="1" dirty="0">
+                <a:solidFill>
+                  <a:schemeClr val="tx1"/>
+                </a:solidFill>
+                <a:latin typeface="Times New Roman" panose="02020603050405020304" pitchFamily="18" charset="0"/>
+                <a:cs typeface="Times New Roman" panose="02020603050405020304" pitchFamily="18" charset="0"/>
+              </a:rPr>
+              <a:t>Kết luận: </a:t>
+            </a:r>
+            <a:r>
+              <a:rPr lang="vi-VN" altLang="en-US" dirty="0">
+                <a:solidFill>
+                  <a:schemeClr val="tx1"/>
+                </a:solidFill>
+                <a:latin typeface="Times New Roman" panose="02020603050405020304" pitchFamily="18" charset="0"/>
+                <a:cs typeface="Times New Roman" panose="02020603050405020304" pitchFamily="18" charset="0"/>
+              </a:rPr>
+              <a:t>Xây dựng được một website thân thiện cho dễ dàng cho người sử dụng. Với các chức năng như lọc sản phẩm theo cùng danh mục, so sánh thông số kỹ thuật giữa các sản phẩm, đặt hàng, xem danh sách đơn hàng, …</a:t>
             </a:r>
           </a:p>
           <a:p>
@@ -7630,543 +6767,73 @@
               <a:buNone/>
             </a:pPr>
             <a:r>
-              <a:rPr lang="en-US" altLang="en-US" b="1" dirty="0" err="1">
-                <a:solidFill>
-                  <a:schemeClr val="tx1"/>
-                </a:solidFill>
-                <a:latin typeface="Times New Roman" panose="02020603050405020304" pitchFamily="18" charset="0"/>
-                <a:cs typeface="Times New Roman" panose="02020603050405020304" pitchFamily="18" charset="0"/>
-              </a:rPr>
-              <a:t>Hướng</a:t>
-            </a:r>
-            <a:r>
-              <a:rPr lang="en-US" altLang="en-US" b="1" dirty="0">
-                <a:solidFill>
-                  <a:schemeClr val="tx1"/>
-                </a:solidFill>
-                <a:latin typeface="Times New Roman" panose="02020603050405020304" pitchFamily="18" charset="0"/>
-                <a:cs typeface="Times New Roman" panose="02020603050405020304" pitchFamily="18" charset="0"/>
-              </a:rPr>
-              <a:t> </a:t>
-            </a:r>
-            <a:r>
-              <a:rPr lang="en-US" altLang="en-US" b="1" dirty="0" err="1">
-                <a:solidFill>
-                  <a:schemeClr val="tx1"/>
-                </a:solidFill>
-                <a:latin typeface="Times New Roman" panose="02020603050405020304" pitchFamily="18" charset="0"/>
-                <a:cs typeface="Times New Roman" panose="02020603050405020304" pitchFamily="18" charset="0"/>
-              </a:rPr>
-              <a:t>phát</a:t>
-            </a:r>
-            <a:r>
-              <a:rPr lang="en-US" altLang="en-US" b="1" dirty="0">
-                <a:solidFill>
-                  <a:schemeClr val="tx1"/>
-                </a:solidFill>
-                <a:latin typeface="Times New Roman" panose="02020603050405020304" pitchFamily="18" charset="0"/>
-                <a:cs typeface="Times New Roman" panose="02020603050405020304" pitchFamily="18" charset="0"/>
-              </a:rPr>
-              <a:t> </a:t>
-            </a:r>
-            <a:r>
-              <a:rPr lang="en-US" altLang="en-US" b="1" dirty="0" err="1">
-                <a:solidFill>
-                  <a:schemeClr val="tx1"/>
-                </a:solidFill>
-                <a:latin typeface="Times New Roman" panose="02020603050405020304" pitchFamily="18" charset="0"/>
-                <a:cs typeface="Times New Roman" panose="02020603050405020304" pitchFamily="18" charset="0"/>
-              </a:rPr>
-              <a:t>triển</a:t>
-            </a:r>
-            <a:r>
-              <a:rPr lang="en-US" altLang="en-US" b="1" dirty="0">
-                <a:solidFill>
-                  <a:schemeClr val="tx1"/>
-                </a:solidFill>
-                <a:latin typeface="Times New Roman" panose="02020603050405020304" pitchFamily="18" charset="0"/>
-                <a:cs typeface="Times New Roman" panose="02020603050405020304" pitchFamily="18" charset="0"/>
-              </a:rPr>
-              <a:t>:</a:t>
+              <a:rPr lang="vi-VN" altLang="en-US" b="1" dirty="0">
+                <a:solidFill>
+                  <a:schemeClr val="tx1"/>
+                </a:solidFill>
+                <a:latin typeface="Times New Roman" panose="02020603050405020304" pitchFamily="18" charset="0"/>
+                <a:cs typeface="Times New Roman" panose="02020603050405020304" pitchFamily="18" charset="0"/>
+              </a:rPr>
+              <a:t>Hướng phát triển:</a:t>
             </a:r>
           </a:p>
           <a:p>
             <a:pPr lvl="1"/>
             <a:r>
-              <a:rPr lang="en-US" altLang="en-US" dirty="0" err="1">
-                <a:solidFill>
-                  <a:schemeClr val="tx1"/>
-                </a:solidFill>
-                <a:latin typeface="Times New Roman" panose="02020603050405020304" pitchFamily="18" charset="0"/>
-                <a:cs typeface="Times New Roman" panose="02020603050405020304" pitchFamily="18" charset="0"/>
-              </a:rPr>
-              <a:t>Tích</a:t>
-            </a:r>
-            <a:r>
-              <a:rPr lang="en-US" altLang="en-US" dirty="0">
-                <a:solidFill>
-                  <a:schemeClr val="tx1"/>
-                </a:solidFill>
-                <a:latin typeface="Times New Roman" panose="02020603050405020304" pitchFamily="18" charset="0"/>
-                <a:cs typeface="Times New Roman" panose="02020603050405020304" pitchFamily="18" charset="0"/>
-              </a:rPr>
-              <a:t> </a:t>
-            </a:r>
-            <a:r>
-              <a:rPr lang="en-US" altLang="en-US" dirty="0" err="1">
-                <a:solidFill>
-                  <a:schemeClr val="tx1"/>
-                </a:solidFill>
-                <a:latin typeface="Times New Roman" panose="02020603050405020304" pitchFamily="18" charset="0"/>
-                <a:cs typeface="Times New Roman" panose="02020603050405020304" pitchFamily="18" charset="0"/>
-              </a:rPr>
-              <a:t>hợp</a:t>
-            </a:r>
-            <a:r>
-              <a:rPr lang="en-US" altLang="en-US" dirty="0">
-                <a:solidFill>
-                  <a:schemeClr val="tx1"/>
-                </a:solidFill>
-                <a:latin typeface="Times New Roman" panose="02020603050405020304" pitchFamily="18" charset="0"/>
-                <a:cs typeface="Times New Roman" panose="02020603050405020304" pitchFamily="18" charset="0"/>
-              </a:rPr>
-              <a:t> chatbot </a:t>
-            </a:r>
-            <a:r>
-              <a:rPr lang="en-US" altLang="en-US" dirty="0" err="1">
-                <a:solidFill>
-                  <a:schemeClr val="tx1"/>
-                </a:solidFill>
-                <a:latin typeface="Times New Roman" panose="02020603050405020304" pitchFamily="18" charset="0"/>
-                <a:cs typeface="Times New Roman" panose="02020603050405020304" pitchFamily="18" charset="0"/>
-              </a:rPr>
-              <a:t>vào</a:t>
-            </a:r>
-            <a:r>
-              <a:rPr lang="en-US" altLang="en-US" dirty="0">
-                <a:solidFill>
-                  <a:schemeClr val="tx1"/>
-                </a:solidFill>
-                <a:latin typeface="Times New Roman" panose="02020603050405020304" pitchFamily="18" charset="0"/>
-                <a:cs typeface="Times New Roman" panose="02020603050405020304" pitchFamily="18" charset="0"/>
-              </a:rPr>
-              <a:t> website.</a:t>
+              <a:rPr lang="vi-VN" altLang="en-US" dirty="0">
+                <a:solidFill>
+                  <a:schemeClr val="tx1"/>
+                </a:solidFill>
+                <a:latin typeface="Times New Roman" panose="02020603050405020304" pitchFamily="18" charset="0"/>
+                <a:cs typeface="Times New Roman" panose="02020603050405020304" pitchFamily="18" charset="0"/>
+              </a:rPr>
+              <a:t>Tích hợp chatbot vào website.</a:t>
             </a:r>
           </a:p>
           <a:p>
             <a:pPr lvl="1"/>
             <a:r>
-              <a:rPr lang="en-US" altLang="en-US" dirty="0" err="1">
-                <a:solidFill>
-                  <a:schemeClr val="tx1"/>
-                </a:solidFill>
-                <a:latin typeface="Times New Roman" panose="02020603050405020304" pitchFamily="18" charset="0"/>
-                <a:cs typeface="Times New Roman" panose="02020603050405020304" pitchFamily="18" charset="0"/>
-              </a:rPr>
-              <a:t>Đăng</a:t>
-            </a:r>
-            <a:r>
-              <a:rPr lang="en-US" altLang="en-US" dirty="0">
-                <a:solidFill>
-                  <a:schemeClr val="tx1"/>
-                </a:solidFill>
-                <a:latin typeface="Times New Roman" panose="02020603050405020304" pitchFamily="18" charset="0"/>
-                <a:cs typeface="Times New Roman" panose="02020603050405020304" pitchFamily="18" charset="0"/>
-              </a:rPr>
-              <a:t> </a:t>
-            </a:r>
-            <a:r>
-              <a:rPr lang="en-US" altLang="en-US" dirty="0" err="1">
-                <a:solidFill>
-                  <a:schemeClr val="tx1"/>
-                </a:solidFill>
-                <a:latin typeface="Times New Roman" panose="02020603050405020304" pitchFamily="18" charset="0"/>
-                <a:cs typeface="Times New Roman" panose="02020603050405020304" pitchFamily="18" charset="0"/>
-              </a:rPr>
-              <a:t>nhập</a:t>
-            </a:r>
-            <a:r>
-              <a:rPr lang="en-US" altLang="en-US" dirty="0">
-                <a:solidFill>
-                  <a:schemeClr val="tx1"/>
-                </a:solidFill>
-                <a:latin typeface="Times New Roman" panose="02020603050405020304" pitchFamily="18" charset="0"/>
-                <a:cs typeface="Times New Roman" panose="02020603050405020304" pitchFamily="18" charset="0"/>
-              </a:rPr>
-              <a:t> </a:t>
-            </a:r>
-            <a:r>
-              <a:rPr lang="en-US" altLang="en-US" dirty="0" err="1">
-                <a:solidFill>
-                  <a:schemeClr val="tx1"/>
-                </a:solidFill>
-                <a:latin typeface="Times New Roman" panose="02020603050405020304" pitchFamily="18" charset="0"/>
-                <a:cs typeface="Times New Roman" panose="02020603050405020304" pitchFamily="18" charset="0"/>
-              </a:rPr>
-              <a:t>với</a:t>
-            </a:r>
-            <a:r>
-              <a:rPr lang="en-US" altLang="en-US" dirty="0">
-                <a:solidFill>
-                  <a:schemeClr val="tx1"/>
-                </a:solidFill>
-                <a:latin typeface="Times New Roman" panose="02020603050405020304" pitchFamily="18" charset="0"/>
-                <a:cs typeface="Times New Roman" panose="02020603050405020304" pitchFamily="18" charset="0"/>
-              </a:rPr>
-              <a:t> </a:t>
-            </a:r>
-            <a:r>
-              <a:rPr lang="en-US" altLang="en-US" dirty="0" err="1">
-                <a:solidFill>
-                  <a:schemeClr val="tx1"/>
-                </a:solidFill>
-                <a:latin typeface="Times New Roman" panose="02020603050405020304" pitchFamily="18" charset="0"/>
-                <a:cs typeface="Times New Roman" panose="02020603050405020304" pitchFamily="18" charset="0"/>
-              </a:rPr>
-              <a:t>mạng</a:t>
-            </a:r>
-            <a:r>
-              <a:rPr lang="en-US" altLang="en-US" dirty="0">
-                <a:solidFill>
-                  <a:schemeClr val="tx1"/>
-                </a:solidFill>
-                <a:latin typeface="Times New Roman" panose="02020603050405020304" pitchFamily="18" charset="0"/>
-                <a:cs typeface="Times New Roman" panose="02020603050405020304" pitchFamily="18" charset="0"/>
-              </a:rPr>
-              <a:t> </a:t>
-            </a:r>
-            <a:r>
-              <a:rPr lang="en-US" altLang="en-US" dirty="0" err="1">
-                <a:solidFill>
-                  <a:schemeClr val="tx1"/>
-                </a:solidFill>
-                <a:latin typeface="Times New Roman" panose="02020603050405020304" pitchFamily="18" charset="0"/>
-                <a:cs typeface="Times New Roman" panose="02020603050405020304" pitchFamily="18" charset="0"/>
-              </a:rPr>
-              <a:t>xã</a:t>
-            </a:r>
-            <a:r>
-              <a:rPr lang="en-US" altLang="en-US" dirty="0">
-                <a:solidFill>
-                  <a:schemeClr val="tx1"/>
-                </a:solidFill>
-                <a:latin typeface="Times New Roman" panose="02020603050405020304" pitchFamily="18" charset="0"/>
-                <a:cs typeface="Times New Roman" panose="02020603050405020304" pitchFamily="18" charset="0"/>
-              </a:rPr>
-              <a:t> </a:t>
-            </a:r>
-            <a:r>
-              <a:rPr lang="en-US" altLang="en-US" dirty="0" err="1">
-                <a:solidFill>
-                  <a:schemeClr val="tx1"/>
-                </a:solidFill>
-                <a:latin typeface="Times New Roman" panose="02020603050405020304" pitchFamily="18" charset="0"/>
-                <a:cs typeface="Times New Roman" panose="02020603050405020304" pitchFamily="18" charset="0"/>
-              </a:rPr>
-              <a:t>hội</a:t>
-            </a:r>
-            <a:r>
-              <a:rPr lang="en-US" altLang="en-US" dirty="0">
-                <a:solidFill>
-                  <a:schemeClr val="tx1"/>
-                </a:solidFill>
-                <a:latin typeface="Times New Roman" panose="02020603050405020304" pitchFamily="18" charset="0"/>
-                <a:cs typeface="Times New Roman" panose="02020603050405020304" pitchFamily="18" charset="0"/>
-              </a:rPr>
-              <a:t>.</a:t>
+              <a:rPr lang="vi-VN" altLang="en-US" dirty="0">
+                <a:solidFill>
+                  <a:schemeClr val="tx1"/>
+                </a:solidFill>
+                <a:latin typeface="Times New Roman" panose="02020603050405020304" pitchFamily="18" charset="0"/>
+                <a:cs typeface="Times New Roman" panose="02020603050405020304" pitchFamily="18" charset="0"/>
+              </a:rPr>
+              <a:t>Đăng nhập với mạng xã hội.</a:t>
             </a:r>
           </a:p>
           <a:p>
             <a:pPr lvl="1"/>
             <a:r>
-              <a:rPr lang="en-US" altLang="en-US" dirty="0" err="1">
-                <a:solidFill>
-                  <a:schemeClr val="tx1"/>
-                </a:solidFill>
-                <a:latin typeface="Times New Roman" panose="02020603050405020304" pitchFamily="18" charset="0"/>
-                <a:cs typeface="Times New Roman" panose="02020603050405020304" pitchFamily="18" charset="0"/>
-              </a:rPr>
-              <a:t>Tích</a:t>
-            </a:r>
-            <a:r>
-              <a:rPr lang="en-US" altLang="en-US" dirty="0">
-                <a:solidFill>
-                  <a:schemeClr val="tx1"/>
-                </a:solidFill>
-                <a:latin typeface="Times New Roman" panose="02020603050405020304" pitchFamily="18" charset="0"/>
-                <a:cs typeface="Times New Roman" panose="02020603050405020304" pitchFamily="18" charset="0"/>
-              </a:rPr>
-              <a:t> </a:t>
-            </a:r>
-            <a:r>
-              <a:rPr lang="en-US" altLang="en-US" dirty="0" err="1">
-                <a:solidFill>
-                  <a:schemeClr val="tx1"/>
-                </a:solidFill>
-                <a:latin typeface="Times New Roman" panose="02020603050405020304" pitchFamily="18" charset="0"/>
-                <a:cs typeface="Times New Roman" panose="02020603050405020304" pitchFamily="18" charset="0"/>
-              </a:rPr>
-              <a:t>hợp</a:t>
-            </a:r>
-            <a:r>
-              <a:rPr lang="en-US" altLang="en-US" dirty="0">
-                <a:solidFill>
-                  <a:schemeClr val="tx1"/>
-                </a:solidFill>
-                <a:latin typeface="Times New Roman" panose="02020603050405020304" pitchFamily="18" charset="0"/>
-                <a:cs typeface="Times New Roman" panose="02020603050405020304" pitchFamily="18" charset="0"/>
-              </a:rPr>
-              <a:t> </a:t>
-            </a:r>
-            <a:r>
-              <a:rPr lang="en-US" altLang="en-US" dirty="0" err="1">
-                <a:solidFill>
-                  <a:schemeClr val="tx1"/>
-                </a:solidFill>
-                <a:latin typeface="Times New Roman" panose="02020603050405020304" pitchFamily="18" charset="0"/>
-                <a:cs typeface="Times New Roman" panose="02020603050405020304" pitchFamily="18" charset="0"/>
-              </a:rPr>
-              <a:t>cổng</a:t>
-            </a:r>
-            <a:r>
-              <a:rPr lang="en-US" altLang="en-US" dirty="0">
-                <a:solidFill>
-                  <a:schemeClr val="tx1"/>
-                </a:solidFill>
-                <a:latin typeface="Times New Roman" panose="02020603050405020304" pitchFamily="18" charset="0"/>
-                <a:cs typeface="Times New Roman" panose="02020603050405020304" pitchFamily="18" charset="0"/>
-              </a:rPr>
-              <a:t> </a:t>
-            </a:r>
-            <a:r>
-              <a:rPr lang="en-US" altLang="en-US" dirty="0" err="1">
-                <a:solidFill>
-                  <a:schemeClr val="tx1"/>
-                </a:solidFill>
-                <a:latin typeface="Times New Roman" panose="02020603050405020304" pitchFamily="18" charset="0"/>
-                <a:cs typeface="Times New Roman" panose="02020603050405020304" pitchFamily="18" charset="0"/>
-              </a:rPr>
-              <a:t>thanh</a:t>
-            </a:r>
-            <a:r>
-              <a:rPr lang="en-US" altLang="en-US" dirty="0">
-                <a:solidFill>
-                  <a:schemeClr val="tx1"/>
-                </a:solidFill>
-                <a:latin typeface="Times New Roman" panose="02020603050405020304" pitchFamily="18" charset="0"/>
-                <a:cs typeface="Times New Roman" panose="02020603050405020304" pitchFamily="18" charset="0"/>
-              </a:rPr>
-              <a:t> </a:t>
-            </a:r>
-            <a:r>
-              <a:rPr lang="en-US" altLang="en-US" dirty="0" err="1">
-                <a:solidFill>
-                  <a:schemeClr val="tx1"/>
-                </a:solidFill>
-                <a:latin typeface="Times New Roman" panose="02020603050405020304" pitchFamily="18" charset="0"/>
-                <a:cs typeface="Times New Roman" panose="02020603050405020304" pitchFamily="18" charset="0"/>
-              </a:rPr>
-              <a:t>toán</a:t>
-            </a:r>
-            <a:r>
-              <a:rPr lang="en-US" altLang="en-US" dirty="0">
-                <a:solidFill>
-                  <a:schemeClr val="tx1"/>
-                </a:solidFill>
-                <a:latin typeface="Times New Roman" panose="02020603050405020304" pitchFamily="18" charset="0"/>
-                <a:cs typeface="Times New Roman" panose="02020603050405020304" pitchFamily="18" charset="0"/>
-              </a:rPr>
-              <a:t> </a:t>
-            </a:r>
-            <a:r>
-              <a:rPr lang="en-US" altLang="en-US" dirty="0" err="1">
-                <a:solidFill>
-                  <a:schemeClr val="tx1"/>
-                </a:solidFill>
-                <a:latin typeface="Times New Roman" panose="02020603050405020304" pitchFamily="18" charset="0"/>
-                <a:cs typeface="Times New Roman" panose="02020603050405020304" pitchFamily="18" charset="0"/>
-              </a:rPr>
-              <a:t>điện</a:t>
-            </a:r>
-            <a:r>
-              <a:rPr lang="en-US" altLang="en-US" dirty="0">
-                <a:solidFill>
-                  <a:schemeClr val="tx1"/>
-                </a:solidFill>
-                <a:latin typeface="Times New Roman" panose="02020603050405020304" pitchFamily="18" charset="0"/>
-                <a:cs typeface="Times New Roman" panose="02020603050405020304" pitchFamily="18" charset="0"/>
-              </a:rPr>
-              <a:t> </a:t>
-            </a:r>
-            <a:r>
-              <a:rPr lang="en-US" altLang="en-US" dirty="0" err="1">
-                <a:solidFill>
-                  <a:schemeClr val="tx1"/>
-                </a:solidFill>
-                <a:latin typeface="Times New Roman" panose="02020603050405020304" pitchFamily="18" charset="0"/>
-                <a:cs typeface="Times New Roman" panose="02020603050405020304" pitchFamily="18" charset="0"/>
-              </a:rPr>
-              <a:t>tử</a:t>
-            </a:r>
-            <a:r>
-              <a:rPr lang="en-US" altLang="en-US" dirty="0">
-                <a:solidFill>
-                  <a:schemeClr val="tx1"/>
-                </a:solidFill>
-                <a:latin typeface="Times New Roman" panose="02020603050405020304" pitchFamily="18" charset="0"/>
-                <a:cs typeface="Times New Roman" panose="02020603050405020304" pitchFamily="18" charset="0"/>
-              </a:rPr>
-              <a:t>.</a:t>
+              <a:rPr lang="vi-VN" altLang="en-US" dirty="0">
+                <a:solidFill>
+                  <a:schemeClr val="tx1"/>
+                </a:solidFill>
+                <a:latin typeface="Times New Roman" panose="02020603050405020304" pitchFamily="18" charset="0"/>
+                <a:cs typeface="Times New Roman" panose="02020603050405020304" pitchFamily="18" charset="0"/>
+              </a:rPr>
+              <a:t>Tích hợp cổng thanh toán điện tử.</a:t>
             </a:r>
           </a:p>
           <a:p>
             <a:pPr lvl="1"/>
             <a:r>
-              <a:rPr lang="en-US" altLang="en-US" dirty="0" err="1">
-                <a:solidFill>
-                  <a:schemeClr val="tx1"/>
-                </a:solidFill>
-                <a:latin typeface="Times New Roman" panose="02020603050405020304" pitchFamily="18" charset="0"/>
-                <a:cs typeface="Times New Roman" panose="02020603050405020304" pitchFamily="18" charset="0"/>
-              </a:rPr>
-              <a:t>Phát</a:t>
-            </a:r>
-            <a:r>
-              <a:rPr lang="en-US" altLang="en-US" dirty="0">
-                <a:solidFill>
-                  <a:schemeClr val="tx1"/>
-                </a:solidFill>
-                <a:latin typeface="Times New Roman" panose="02020603050405020304" pitchFamily="18" charset="0"/>
-                <a:cs typeface="Times New Roman" panose="02020603050405020304" pitchFamily="18" charset="0"/>
-              </a:rPr>
-              <a:t> </a:t>
-            </a:r>
-            <a:r>
-              <a:rPr lang="en-US" altLang="en-US" dirty="0" err="1">
-                <a:solidFill>
-                  <a:schemeClr val="tx1"/>
-                </a:solidFill>
-                <a:latin typeface="Times New Roman" panose="02020603050405020304" pitchFamily="18" charset="0"/>
-                <a:cs typeface="Times New Roman" panose="02020603050405020304" pitchFamily="18" charset="0"/>
-              </a:rPr>
-              <a:t>triển</a:t>
-            </a:r>
-            <a:r>
-              <a:rPr lang="en-US" altLang="en-US" dirty="0">
-                <a:solidFill>
-                  <a:schemeClr val="tx1"/>
-                </a:solidFill>
-                <a:latin typeface="Times New Roman" panose="02020603050405020304" pitchFamily="18" charset="0"/>
-                <a:cs typeface="Times New Roman" panose="02020603050405020304" pitchFamily="18" charset="0"/>
-              </a:rPr>
-              <a:t> </a:t>
-            </a:r>
-            <a:r>
-              <a:rPr lang="en-US" altLang="en-US" dirty="0" err="1">
-                <a:solidFill>
-                  <a:schemeClr val="tx1"/>
-                </a:solidFill>
-                <a:latin typeface="Times New Roman" panose="02020603050405020304" pitchFamily="18" charset="0"/>
-                <a:cs typeface="Times New Roman" panose="02020603050405020304" pitchFamily="18" charset="0"/>
-              </a:rPr>
-              <a:t>ứng</a:t>
-            </a:r>
-            <a:r>
-              <a:rPr lang="en-US" altLang="en-US" dirty="0">
-                <a:solidFill>
-                  <a:schemeClr val="tx1"/>
-                </a:solidFill>
-                <a:latin typeface="Times New Roman" panose="02020603050405020304" pitchFamily="18" charset="0"/>
-                <a:cs typeface="Times New Roman" panose="02020603050405020304" pitchFamily="18" charset="0"/>
-              </a:rPr>
-              <a:t> </a:t>
-            </a:r>
-            <a:r>
-              <a:rPr lang="en-US" altLang="en-US" dirty="0" err="1">
-                <a:solidFill>
-                  <a:schemeClr val="tx1"/>
-                </a:solidFill>
-                <a:latin typeface="Times New Roman" panose="02020603050405020304" pitchFamily="18" charset="0"/>
-                <a:cs typeface="Times New Roman" panose="02020603050405020304" pitchFamily="18" charset="0"/>
-              </a:rPr>
-              <a:t>dụng</a:t>
-            </a:r>
-            <a:r>
-              <a:rPr lang="en-US" altLang="en-US" dirty="0">
-                <a:solidFill>
-                  <a:schemeClr val="tx1"/>
-                </a:solidFill>
-                <a:latin typeface="Times New Roman" panose="02020603050405020304" pitchFamily="18" charset="0"/>
-                <a:cs typeface="Times New Roman" panose="02020603050405020304" pitchFamily="18" charset="0"/>
-              </a:rPr>
-              <a:t> </a:t>
-            </a:r>
-            <a:r>
-              <a:rPr lang="en-US" altLang="en-US" dirty="0" err="1">
-                <a:solidFill>
-                  <a:schemeClr val="tx1"/>
-                </a:solidFill>
-                <a:latin typeface="Times New Roman" panose="02020603050405020304" pitchFamily="18" charset="0"/>
-                <a:cs typeface="Times New Roman" panose="02020603050405020304" pitchFamily="18" charset="0"/>
-              </a:rPr>
-              <a:t>đa</a:t>
-            </a:r>
-            <a:r>
-              <a:rPr lang="en-US" altLang="en-US" dirty="0">
-                <a:solidFill>
-                  <a:schemeClr val="tx1"/>
-                </a:solidFill>
-                <a:latin typeface="Times New Roman" panose="02020603050405020304" pitchFamily="18" charset="0"/>
-                <a:cs typeface="Times New Roman" panose="02020603050405020304" pitchFamily="18" charset="0"/>
-              </a:rPr>
-              <a:t> </a:t>
-            </a:r>
-            <a:r>
-              <a:rPr lang="en-US" altLang="en-US" dirty="0" err="1">
-                <a:solidFill>
-                  <a:schemeClr val="tx1"/>
-                </a:solidFill>
-                <a:latin typeface="Times New Roman" panose="02020603050405020304" pitchFamily="18" charset="0"/>
-                <a:cs typeface="Times New Roman" panose="02020603050405020304" pitchFamily="18" charset="0"/>
-              </a:rPr>
-              <a:t>nên</a:t>
-            </a:r>
-            <a:r>
-              <a:rPr lang="en-US" altLang="en-US" dirty="0">
-                <a:solidFill>
-                  <a:schemeClr val="tx1"/>
-                </a:solidFill>
-                <a:latin typeface="Times New Roman" panose="02020603050405020304" pitchFamily="18" charset="0"/>
-                <a:cs typeface="Times New Roman" panose="02020603050405020304" pitchFamily="18" charset="0"/>
-              </a:rPr>
-              <a:t> </a:t>
-            </a:r>
-            <a:r>
-              <a:rPr lang="en-US" altLang="en-US" dirty="0" err="1">
-                <a:solidFill>
-                  <a:schemeClr val="tx1"/>
-                </a:solidFill>
-                <a:latin typeface="Times New Roman" panose="02020603050405020304" pitchFamily="18" charset="0"/>
-                <a:cs typeface="Times New Roman" panose="02020603050405020304" pitchFamily="18" charset="0"/>
-              </a:rPr>
-              <a:t>tảng</a:t>
-            </a:r>
-            <a:r>
-              <a:rPr lang="en-US" altLang="en-US" dirty="0">
-                <a:solidFill>
-                  <a:schemeClr val="tx1"/>
-                </a:solidFill>
-                <a:latin typeface="Times New Roman" panose="02020603050405020304" pitchFamily="18" charset="0"/>
-                <a:cs typeface="Times New Roman" panose="02020603050405020304" pitchFamily="18" charset="0"/>
-              </a:rPr>
-              <a:t>.</a:t>
+              <a:rPr lang="vi-VN" altLang="en-US" dirty="0">
+                <a:solidFill>
+                  <a:schemeClr val="tx1"/>
+                </a:solidFill>
+                <a:latin typeface="Times New Roman" panose="02020603050405020304" pitchFamily="18" charset="0"/>
+                <a:cs typeface="Times New Roman" panose="02020603050405020304" pitchFamily="18" charset="0"/>
+              </a:rPr>
+              <a:t>Phát triển ứng dụng đa nên tảng.</a:t>
             </a:r>
           </a:p>
           <a:p>
             <a:pPr marL="0" indent="0">
               <a:buNone/>
             </a:pPr>
-            <a:endParaRPr lang="en-US" altLang="en-US" dirty="0">
+            <a:endParaRPr lang="vi-VN" altLang="en-US" dirty="0">
               <a:solidFill>
                 <a:schemeClr val="tx1"/>
               </a:solidFill>
@@ -8175,7 +6842,7 @@
             </a:endParaRPr>
           </a:p>
           <a:p>
-            <a:endParaRPr lang="en-US" altLang="en-US" dirty="0">
+            <a:endParaRPr lang="vi-VN" altLang="en-US" dirty="0">
               <a:solidFill>
                 <a:schemeClr val="tx1"/>
               </a:solidFill>
@@ -8188,7 +6855,7 @@
               <a:buFont typeface="Arial" panose="020B0604020202020204" pitchFamily="34" charset="0"/>
               <a:buChar char="•"/>
             </a:pPr>
-            <a:endParaRPr lang="en-US" altLang="en-US" dirty="0">
+            <a:endParaRPr lang="vi-VN" altLang="en-US" dirty="0">
               <a:solidFill>
                 <a:schemeClr val="tx1"/>
               </a:solidFill>
@@ -8197,7 +6864,7 @@
             </a:endParaRPr>
           </a:p>
           <a:p>
-            <a:endParaRPr lang="en-US" altLang="en-US" dirty="0">
+            <a:endParaRPr lang="vi-VN" altLang="en-US" dirty="0">
               <a:solidFill>
                 <a:schemeClr val="tx1"/>
               </a:solidFill>
@@ -11426,7 +10093,7 @@
           <p:nvPr/>
         </p:nvPicPr>
         <p:blipFill>
-          <a:blip r:embed="rId2">
+          <a:blip r:embed="rId3">
             <a:clrChange>
               <a:clrFrom>
                 <a:srgbClr val="F2FFFF"/>
@@ -11440,7 +10107,7 @@
             <a:extLst>
               <a:ext uri="{BEBA8EAE-BF5A-486C-A8C5-ECC9F3942E4B}">
                 <a14:imgProps xmlns:a14="http://schemas.microsoft.com/office/drawing/2010/main">
-                  <a14:imgLayer r:embed="rId3">
+                  <a14:imgLayer r:embed="rId4">
                     <a14:imgEffect>
                       <a14:colorTemperature colorTemp="5249"/>
                     </a14:imgEffect>
@@ -11481,7 +10148,7 @@
           <p:nvPr/>
         </p:nvPicPr>
         <p:blipFill>
-          <a:blip r:embed="rId4">
+          <a:blip r:embed="rId5">
             <a:clrChange>
               <a:clrFrom>
                 <a:srgbClr val="FFFFFF"/>
@@ -11527,7 +10194,7 @@
           <p:nvPr/>
         </p:nvPicPr>
         <p:blipFill>
-          <a:blip r:embed="rId5">
+          <a:blip r:embed="rId6">
             <a:clrChange>
               <a:clrFrom>
                 <a:srgbClr val="FFFFFF"/>
@@ -11573,7 +10240,7 @@
           <p:nvPr/>
         </p:nvPicPr>
         <p:blipFill>
-          <a:blip r:embed="rId6">
+          <a:blip r:embed="rId7">
             <a:clrChange>
               <a:clrFrom>
                 <a:srgbClr val="FFFFFF"/>
@@ -11619,7 +10286,7 @@
           <p:nvPr/>
         </p:nvPicPr>
         <p:blipFill>
-          <a:blip r:embed="rId7">
+          <a:blip r:embed="rId8">
             <a:clrChange>
               <a:clrFrom>
                 <a:srgbClr val="FFFFFF"/>
@@ -11746,10 +10413,10 @@
       </p:sp>
       <p:pic>
         <p:nvPicPr>
-          <p:cNvPr id="9" name="Picture 8">
+          <p:cNvPr id="4" name="Picture 3">
             <a:extLst>
               <a:ext uri="{FF2B5EF4-FFF2-40B4-BE49-F238E27FC236}">
-                <a16:creationId xmlns:a16="http://schemas.microsoft.com/office/drawing/2014/main" id="{EB956787-91BB-4CB7-945A-9CD35E52052C}"/>
+                <a16:creationId xmlns:a16="http://schemas.microsoft.com/office/drawing/2014/main" id="{9B752EFB-9546-4F23-AFFA-1DAF25DDB9D8}"/>
               </a:ext>
             </a:extLst>
           </p:cNvPr>
@@ -11771,8 +10438,8 @@
         </p:blipFill>
         <p:spPr bwMode="auto">
           <a:xfrm>
-            <a:off x="381000" y="1447800"/>
-            <a:ext cx="8534400" cy="5008563"/>
+            <a:off x="508952" y="1447800"/>
+            <a:ext cx="8254048" cy="5029200"/>
           </a:xfrm>
           <a:prstGeom prst="rect">
             <a:avLst/>
@@ -11799,6 +10466,18 @@
 <file path=ppt/slides/slide7.xml><?xml version="1.0" encoding="utf-8"?>
 <p:sld xmlns:a="http://schemas.openxmlformats.org/drawingml/2006/main" xmlns:r="http://schemas.openxmlformats.org/officeDocument/2006/relationships" xmlns:p="http://schemas.openxmlformats.org/presentationml/2006/main">
   <p:cSld>
+    <p:bg>
+      <p:bgPr>
+        <a:blipFill dpi="0" rotWithShape="0">
+          <a:blip r:embed="rId3"/>
+          <a:srcRect/>
+          <a:stretch>
+            <a:fillRect/>
+          </a:stretch>
+        </a:blipFill>
+        <a:effectLst/>
+      </p:bgPr>
+    </p:bg>
     <p:spTree>
       <p:nvGrpSpPr>
         <p:cNvPr id="1" name=""/>
@@ -11907,7 +10586,7 @@
             <a:spLocks noGrp="1" noChangeArrowheads="1"/>
           </p:cNvSpPr>
           <p:nvPr>
-            <p:ph type="body" idx="1"/>
+            <p:ph idx="1"/>
           </p:nvPr>
         </p:nvSpPr>
         <p:spPr>
@@ -12184,7 +10863,7 @@
     </p:extLst>
   </p:cSld>
   <p:clrMapOvr>
-    <a:masterClrMapping/>
+    <a:overrideClrMapping bg1="lt1" tx1="dk1" bg2="lt2" tx2="dk2" accent1="accent1" accent2="accent2" accent3="accent3" accent4="accent4" accent5="accent5" accent6="accent6" hlink="hlink" folHlink="folHlink"/>
   </p:clrMapOvr>
 </p:sld>
 </file>
@@ -15061,4 +13740,47 @@
     </a:ext>
   </a:extLst>
 </a:theme>
+</file>
+
+<file path=ppt/theme/themeOverride1.xml><?xml version="1.0" encoding="utf-8"?>
+<a:themeOverride xmlns:a="http://schemas.openxmlformats.org/drawingml/2006/main">
+  <a:clrScheme name="Default Design 1">
+    <a:dk1>
+      <a:srgbClr val="000000"/>
+    </a:dk1>
+    <a:lt1>
+      <a:srgbClr val="FFFFFF"/>
+    </a:lt1>
+    <a:dk2>
+      <a:srgbClr val="000000"/>
+    </a:dk2>
+    <a:lt2>
+      <a:srgbClr val="808080"/>
+    </a:lt2>
+    <a:accent1>
+      <a:srgbClr val="BBE0E3"/>
+    </a:accent1>
+    <a:accent2>
+      <a:srgbClr val="333399"/>
+    </a:accent2>
+    <a:accent3>
+      <a:srgbClr val="FFFFFF"/>
+    </a:accent3>
+    <a:accent4>
+      <a:srgbClr val="000000"/>
+    </a:accent4>
+    <a:accent5>
+      <a:srgbClr val="DAEDEF"/>
+    </a:accent5>
+    <a:accent6>
+      <a:srgbClr val="2D2D8A"/>
+    </a:accent6>
+    <a:hlink>
+      <a:srgbClr val="009999"/>
+    </a:hlink>
+    <a:folHlink>
+      <a:srgbClr val="99CC00"/>
+    </a:folHlink>
+  </a:clrScheme>
+</a:themeOverride>
 </file>